--- a/PROIECT FINAL Postman V2.pptx
+++ b/PROIECT FINAL Postman V2.pptx
@@ -211,7 +211,7 @@
           <a:p>
             <a:fld id="{135311FD-0572-403A-9AF3-298F56BEE51D}" type="datetimeFigureOut">
               <a:rPr lang="en-US" smtClean="0"/>
-              <a:t>22-Aug-24</a:t>
+              <a:t>25-Aug-24</a:t>
             </a:fld>
             <a:endParaRPr lang="en-US"/>
           </a:p>
@@ -4844,7 +4844,7 @@
           <a:p>
             <a:fld id="{48A87A34-81AB-432B-8DAE-1953F412C126}" type="datetimeFigureOut">
               <a:rPr lang="en-US" dirty="0"/>
-              <a:t>22-Aug-24</a:t>
+              <a:t>25-Aug-24</a:t>
             </a:fld>
             <a:endParaRPr lang="en-US" dirty="0"/>
           </a:p>
@@ -5106,7 +5106,7 @@
           <a:p>
             <a:fld id="{48A87A34-81AB-432B-8DAE-1953F412C126}" type="datetimeFigureOut">
               <a:rPr lang="en-US" dirty="0"/>
-              <a:t>22-Aug-24</a:t>
+              <a:t>25-Aug-24</a:t>
             </a:fld>
             <a:endParaRPr lang="en-US" dirty="0"/>
           </a:p>
@@ -5297,7 +5297,7 @@
           <a:p>
             <a:fld id="{48A87A34-81AB-432B-8DAE-1953F412C126}" type="datetimeFigureOut">
               <a:rPr lang="en-US" dirty="0"/>
-              <a:t>22-Aug-24</a:t>
+              <a:t>25-Aug-24</a:t>
             </a:fld>
             <a:endParaRPr lang="en-US" dirty="0"/>
           </a:p>
@@ -5555,7 +5555,7 @@
           <a:p>
             <a:fld id="{48A87A34-81AB-432B-8DAE-1953F412C126}" type="datetimeFigureOut">
               <a:rPr lang="en-US" dirty="0"/>
-              <a:t>22-Aug-24</a:t>
+              <a:t>25-Aug-24</a:t>
             </a:fld>
             <a:endParaRPr lang="en-US" dirty="0"/>
           </a:p>
@@ -5984,7 +5984,7 @@
           <a:p>
             <a:fld id="{48A87A34-81AB-432B-8DAE-1953F412C126}" type="datetimeFigureOut">
               <a:rPr lang="en-US" dirty="0"/>
-              <a:t>22-Aug-24</a:t>
+              <a:t>25-Aug-24</a:t>
             </a:fld>
             <a:endParaRPr lang="en-US" dirty="0"/>
           </a:p>
@@ -6525,7 +6525,7 @@
           <a:p>
             <a:fld id="{48A87A34-81AB-432B-8DAE-1953F412C126}" type="datetimeFigureOut">
               <a:rPr lang="en-US" dirty="0"/>
-              <a:t>22-Aug-24</a:t>
+              <a:t>25-Aug-24</a:t>
             </a:fld>
             <a:endParaRPr lang="en-US" dirty="0"/>
           </a:p>
@@ -7240,7 +7240,7 @@
           <a:p>
             <a:fld id="{48A87A34-81AB-432B-8DAE-1953F412C126}" type="datetimeFigureOut">
               <a:rPr lang="en-US" dirty="0"/>
-              <a:t>22-Aug-24</a:t>
+              <a:t>25-Aug-24</a:t>
             </a:fld>
             <a:endParaRPr lang="en-US" dirty="0"/>
           </a:p>
@@ -7405,7 +7405,7 @@
           <a:p>
             <a:fld id="{48A87A34-81AB-432B-8DAE-1953F412C126}" type="datetimeFigureOut">
               <a:rPr lang="en-US" dirty="0"/>
-              <a:t>22-Aug-24</a:t>
+              <a:t>25-Aug-24</a:t>
             </a:fld>
             <a:endParaRPr lang="en-US" dirty="0"/>
           </a:p>
@@ -7580,7 +7580,7 @@
           <a:p>
             <a:fld id="{48A87A34-81AB-432B-8DAE-1953F412C126}" type="datetimeFigureOut">
               <a:rPr lang="en-US" dirty="0"/>
-              <a:t>22-Aug-24</a:t>
+              <a:t>25-Aug-24</a:t>
             </a:fld>
             <a:endParaRPr lang="en-US" dirty="0"/>
           </a:p>
@@ -7745,7 +7745,7 @@
           <a:p>
             <a:fld id="{48A87A34-81AB-432B-8DAE-1953F412C126}" type="datetimeFigureOut">
               <a:rPr lang="en-US" dirty="0"/>
-              <a:t>22-Aug-24</a:t>
+              <a:t>25-Aug-24</a:t>
             </a:fld>
             <a:endParaRPr lang="en-US" dirty="0"/>
           </a:p>
@@ -7990,7 +7990,7 @@
           <a:p>
             <a:fld id="{48A87A34-81AB-432B-8DAE-1953F412C126}" type="datetimeFigureOut">
               <a:rPr lang="en-US" dirty="0"/>
-              <a:t>22-Aug-24</a:t>
+              <a:t>25-Aug-24</a:t>
             </a:fld>
             <a:endParaRPr lang="en-US" dirty="0"/>
           </a:p>
@@ -8217,7 +8217,7 @@
           <a:p>
             <a:fld id="{48A87A34-81AB-432B-8DAE-1953F412C126}" type="datetimeFigureOut">
               <a:rPr lang="en-US" dirty="0"/>
-              <a:t>22-Aug-24</a:t>
+              <a:t>25-Aug-24</a:t>
             </a:fld>
             <a:endParaRPr lang="en-US" dirty="0"/>
           </a:p>
@@ -8593,7 +8593,7 @@
           <a:p>
             <a:fld id="{48A87A34-81AB-432B-8DAE-1953F412C126}" type="datetimeFigureOut">
               <a:rPr lang="en-US" dirty="0"/>
-              <a:t>22-Aug-24</a:t>
+              <a:t>25-Aug-24</a:t>
             </a:fld>
             <a:endParaRPr lang="en-US" dirty="0"/>
           </a:p>
@@ -8706,7 +8706,7 @@
           <a:p>
             <a:fld id="{48A87A34-81AB-432B-8DAE-1953F412C126}" type="datetimeFigureOut">
               <a:rPr lang="en-US" dirty="0"/>
-              <a:t>22-Aug-24</a:t>
+              <a:t>25-Aug-24</a:t>
             </a:fld>
             <a:endParaRPr lang="en-US" dirty="0"/>
           </a:p>
@@ -8796,7 +8796,7 @@
           <a:p>
             <a:fld id="{48A87A34-81AB-432B-8DAE-1953F412C126}" type="datetimeFigureOut">
               <a:rPr lang="en-US" dirty="0"/>
-              <a:t>22-Aug-24</a:t>
+              <a:t>25-Aug-24</a:t>
             </a:fld>
             <a:endParaRPr lang="en-US" dirty="0"/>
           </a:p>
@@ -9040,7 +9040,7 @@
           <a:p>
             <a:fld id="{48A87A34-81AB-432B-8DAE-1953F412C126}" type="datetimeFigureOut">
               <a:rPr lang="en-US" dirty="0"/>
-              <a:t>22-Aug-24</a:t>
+              <a:t>25-Aug-24</a:t>
             </a:fld>
             <a:endParaRPr lang="en-US" dirty="0"/>
           </a:p>
@@ -9315,7 +9315,7 @@
           <a:p>
             <a:fld id="{48A87A34-81AB-432B-8DAE-1953F412C126}" type="datetimeFigureOut">
               <a:rPr lang="en-US" dirty="0"/>
-              <a:t>22-Aug-24</a:t>
+              <a:t>25-Aug-24</a:t>
             </a:fld>
             <a:endParaRPr lang="en-US" dirty="0"/>
           </a:p>
@@ -12378,7 +12378,7 @@
             <a:fld id="{48A87A34-81AB-432B-8DAE-1953F412C126}" type="datetimeFigureOut">
               <a:rPr lang="en-US" dirty="0"/>
               <a:pPr/>
-              <a:t>22-Aug-24</a:t>
+              <a:t>25-Aug-24</a:t>
             </a:fld>
             <a:endParaRPr lang="en-US" dirty="0"/>
           </a:p>
@@ -12867,10 +12867,21 @@
           </a:p>
           <a:p>
             <a:r>
+              <a:rPr lang="en-US" dirty="0"/>
+              <a:t>Link Git </a:t>
+            </a:r>
+            <a:r>
+              <a:rPr lang="en-US" err="1"/>
+              <a:t>hub</a:t>
+            </a:r>
+            <a:r>
               <a:rPr lang="en-US"/>
-              <a:t>Link Git hub: https://github.com/Flavius878/ProiectExamen_2024</a:t>
-            </a:r>
-            <a:endParaRPr lang="en-US" dirty="0"/>
+              <a:t>: https</a:t>
+            </a:r>
+            <a:r>
+              <a:rPr lang="en-US" dirty="0"/>
+              <a:t>://github.com/Flavius878/ProiectExamen_2024</a:t>
+            </a:r>
           </a:p>
           <a:p>
             <a:r>
